--- a/Spring Assignments/Expo Poster.pptx
+++ b/Spring Assignments/Expo Poster.pptx
@@ -110,6 +110,9 @@
   <p:extLst>
     <p:ext uri="{EFAFB233-063F-42B5-8137-9DF3F51BA10A}">
       <p15:sldGuideLst xmlns:p15="http://schemas.microsoft.com/office/powerpoint/2012/main"/>
+    </p:ext>
+    <p:ext uri="{2D200454-40CA-4A62-9FC3-DE9A4176ACB9}">
+      <p15:notesGuideLst xmlns:p15="http://schemas.microsoft.com/office/powerpoint/2012/main"/>
     </p:ext>
   </p:extLst>
 </p:presentation>
@@ -6260,12 +6263,309 @@
           </a:p>
         </p:txBody>
       </p:sp>
+      <p:sp>
+        <p:nvSpPr>
+          <p:cNvPr id="28" name="TextBox 27">
+            <a:extLst>
+              <a:ext uri="{FF2B5EF4-FFF2-40B4-BE49-F238E27FC236}">
+                <a16:creationId xmlns:a16="http://schemas.microsoft.com/office/drawing/2014/main" id="{BDAA5568-8B83-4084-8323-2EFC45DBDB3D}"/>
+              </a:ext>
+            </a:extLst>
+          </p:cNvPr>
+          <p:cNvSpPr txBox="1"/>
+          <p:nvPr/>
+        </p:nvSpPr>
+        <p:spPr>
+          <a:xfrm>
+            <a:off x="3734644" y="1653013"/>
+            <a:ext cx="3942080" cy="1200329"/>
+          </a:xfrm>
+          <a:prstGeom prst="rect">
+            <a:avLst/>
+          </a:prstGeom>
+          <a:noFill/>
+        </p:spPr>
+        <p:txBody>
+          <a:bodyPr wrap="square" rtlCol="0">
+            <a:spAutoFit/>
+          </a:bodyPr>
+          <a:lstStyle/>
+          <a:p>
+            <a:r>
+              <a:rPr lang="en-US" sz="7200" u="sng" dirty="0">
+                <a:latin typeface="Tahoma" panose="020B0604030504040204" pitchFamily="34" charset="0"/>
+                <a:ea typeface="Tahoma" panose="020B0604030504040204" pitchFamily="34" charset="0"/>
+                <a:cs typeface="Tahoma" panose="020B0604030504040204" pitchFamily="34" charset="0"/>
+              </a:rPr>
+              <a:t>Problem</a:t>
+            </a:r>
+          </a:p>
+        </p:txBody>
+      </p:sp>
+      <p:sp>
+        <p:nvSpPr>
+          <p:cNvPr id="26" name="TextBox 25">
+            <a:extLst>
+              <a:ext uri="{FF2B5EF4-FFF2-40B4-BE49-F238E27FC236}">
+                <a16:creationId xmlns:a16="http://schemas.microsoft.com/office/drawing/2014/main" id="{78EB36D9-48E1-42E9-B70C-AFFD767C56CD}"/>
+              </a:ext>
+            </a:extLst>
+          </p:cNvPr>
+          <p:cNvSpPr txBox="1"/>
+          <p:nvPr/>
+        </p:nvSpPr>
+        <p:spPr>
+          <a:xfrm>
+            <a:off x="4448806" y="15636661"/>
+            <a:ext cx="2513756" cy="1200329"/>
+          </a:xfrm>
+          <a:prstGeom prst="rect">
+            <a:avLst/>
+          </a:prstGeom>
+          <a:noFill/>
+        </p:spPr>
+        <p:txBody>
+          <a:bodyPr wrap="square" rtlCol="0">
+            <a:spAutoFit/>
+          </a:bodyPr>
+          <a:lstStyle/>
+          <a:p>
+            <a:r>
+              <a:rPr lang="en-US" sz="7200" u="sng" dirty="0">
+                <a:latin typeface="Tahoma" panose="020B0604030504040204" pitchFamily="34" charset="0"/>
+                <a:ea typeface="Tahoma" panose="020B0604030504040204" pitchFamily="34" charset="0"/>
+                <a:cs typeface="Tahoma" panose="020B0604030504040204" pitchFamily="34" charset="0"/>
+              </a:rPr>
+              <a:t>Goals</a:t>
+            </a:r>
+            <a:endParaRPr lang="en-US" sz="7200" u="sng" dirty="0">
+              <a:ea typeface="Tahoma" pitchFamily="34" charset="0"/>
+              <a:cs typeface="Tahoma" pitchFamily="34" charset="0"/>
+            </a:endParaRPr>
+          </a:p>
+        </p:txBody>
+      </p:sp>
+      <p:sp>
+        <p:nvSpPr>
+          <p:cNvPr id="27" name="TextBox 26">
+            <a:extLst>
+              <a:ext uri="{FF2B5EF4-FFF2-40B4-BE49-F238E27FC236}">
+                <a16:creationId xmlns:a16="http://schemas.microsoft.com/office/drawing/2014/main" id="{AC1B6543-8E76-4D5F-A5FA-C416014AD202}"/>
+              </a:ext>
+            </a:extLst>
+          </p:cNvPr>
+          <p:cNvSpPr txBox="1"/>
+          <p:nvPr/>
+        </p:nvSpPr>
+        <p:spPr>
+          <a:xfrm>
+            <a:off x="19083130" y="14673903"/>
+            <a:ext cx="7272986" cy="1200329"/>
+          </a:xfrm>
+          <a:prstGeom prst="rect">
+            <a:avLst/>
+          </a:prstGeom>
+          <a:noFill/>
+        </p:spPr>
+        <p:txBody>
+          <a:bodyPr wrap="square" rtlCol="0">
+            <a:spAutoFit/>
+          </a:bodyPr>
+          <a:lstStyle/>
+          <a:p>
+            <a:r>
+              <a:rPr lang="en-US" sz="7200" u="sng" dirty="0">
+                <a:latin typeface="Tahoma" panose="020B0604030504040204" pitchFamily="34" charset="0"/>
+                <a:ea typeface="Tahoma" panose="020B0604030504040204" pitchFamily="34" charset="0"/>
+                <a:cs typeface="Tahoma" panose="020B0604030504040204" pitchFamily="34" charset="0"/>
+              </a:rPr>
+              <a:t>Accomplishments</a:t>
+            </a:r>
+            <a:endParaRPr lang="en-US" sz="7200" u="sng" dirty="0">
+              <a:ea typeface="Tahoma" pitchFamily="34" charset="0"/>
+              <a:cs typeface="Tahoma" pitchFamily="34" charset="0"/>
+            </a:endParaRPr>
+          </a:p>
+        </p:txBody>
+      </p:sp>
+      <p:sp>
+        <p:nvSpPr>
+          <p:cNvPr id="30" name="TextBox 29">
+            <a:extLst>
+              <a:ext uri="{FF2B5EF4-FFF2-40B4-BE49-F238E27FC236}">
+                <a16:creationId xmlns:a16="http://schemas.microsoft.com/office/drawing/2014/main" id="{11B51B10-FA7F-496D-9D47-C6FBDAFAB6D2}"/>
+              </a:ext>
+            </a:extLst>
+          </p:cNvPr>
+          <p:cNvSpPr txBox="1"/>
+          <p:nvPr/>
+        </p:nvSpPr>
+        <p:spPr>
+          <a:xfrm>
+            <a:off x="19979787" y="4943131"/>
+            <a:ext cx="4848053" cy="1200329"/>
+          </a:xfrm>
+          <a:prstGeom prst="rect">
+            <a:avLst/>
+          </a:prstGeom>
+          <a:noFill/>
+        </p:spPr>
+        <p:txBody>
+          <a:bodyPr wrap="square" rtlCol="0">
+            <a:spAutoFit/>
+          </a:bodyPr>
+          <a:lstStyle/>
+          <a:p>
+            <a:r>
+              <a:rPr lang="en-US" sz="7200" u="sng" dirty="0">
+                <a:latin typeface="Tahoma" panose="020B0604030504040204" pitchFamily="34" charset="0"/>
+                <a:ea typeface="Tahoma" panose="020B0604030504040204" pitchFamily="34" charset="0"/>
+                <a:cs typeface="Tahoma" panose="020B0604030504040204" pitchFamily="34" charset="0"/>
+              </a:rPr>
+              <a:t>Developers</a:t>
+            </a:r>
+            <a:endParaRPr lang="en-US" sz="7200" u="sng" dirty="0">
+              <a:ea typeface="Tahoma" pitchFamily="34" charset="0"/>
+              <a:cs typeface="Tahoma" pitchFamily="34" charset="0"/>
+            </a:endParaRPr>
+          </a:p>
+        </p:txBody>
+      </p:sp>
+      <p:sp>
+        <p:nvSpPr>
+          <p:cNvPr id="34" name="TextBox 33">
+            <a:extLst>
+              <a:ext uri="{FF2B5EF4-FFF2-40B4-BE49-F238E27FC236}">
+                <a16:creationId xmlns:a16="http://schemas.microsoft.com/office/drawing/2014/main" id="{FE3A3E18-08FF-414A-8B9C-DD5A7F68E33F}"/>
+              </a:ext>
+            </a:extLst>
+          </p:cNvPr>
+          <p:cNvSpPr txBox="1"/>
+          <p:nvPr/>
+        </p:nvSpPr>
+        <p:spPr>
+          <a:xfrm>
+            <a:off x="35651655" y="10216365"/>
+            <a:ext cx="4848053" cy="1200329"/>
+          </a:xfrm>
+          <a:prstGeom prst="rect">
+            <a:avLst/>
+          </a:prstGeom>
+          <a:noFill/>
+        </p:spPr>
+        <p:txBody>
+          <a:bodyPr wrap="square" rtlCol="0">
+            <a:spAutoFit/>
+          </a:bodyPr>
+          <a:lstStyle/>
+          <a:p>
+            <a:r>
+              <a:rPr lang="en-US" sz="7200" u="sng" dirty="0">
+                <a:latin typeface="Tahoma" panose="020B0604030504040204" pitchFamily="34" charset="0"/>
+                <a:ea typeface="Tahoma" panose="020B0604030504040204" pitchFamily="34" charset="0"/>
+                <a:cs typeface="Tahoma" panose="020B0604030504040204" pitchFamily="34" charset="0"/>
+              </a:rPr>
+              <a:t>Challenges</a:t>
+            </a:r>
+            <a:endParaRPr lang="en-US" sz="7200" u="sng" dirty="0">
+              <a:ea typeface="Tahoma" pitchFamily="34" charset="0"/>
+              <a:cs typeface="Tahoma" pitchFamily="34" charset="0"/>
+            </a:endParaRPr>
+          </a:p>
+        </p:txBody>
+      </p:sp>
+      <p:sp>
+        <p:nvSpPr>
+          <p:cNvPr id="37" name="TextBox 36">
+            <a:extLst>
+              <a:ext uri="{FF2B5EF4-FFF2-40B4-BE49-F238E27FC236}">
+                <a16:creationId xmlns:a16="http://schemas.microsoft.com/office/drawing/2014/main" id="{22E4983F-1527-41E6-8960-53955DE6A54C}"/>
+              </a:ext>
+            </a:extLst>
+          </p:cNvPr>
+          <p:cNvSpPr txBox="1"/>
+          <p:nvPr/>
+        </p:nvSpPr>
+        <p:spPr>
+          <a:xfrm>
+            <a:off x="15396201" y="1862492"/>
+            <a:ext cx="13948760" cy="2646878"/>
+          </a:xfrm>
+          <a:prstGeom prst="rect">
+            <a:avLst/>
+          </a:prstGeom>
+          <a:noFill/>
+        </p:spPr>
+        <p:txBody>
+          <a:bodyPr wrap="square" rtlCol="0">
+            <a:spAutoFit/>
+          </a:bodyPr>
+          <a:lstStyle/>
+          <a:p>
+            <a:r>
+              <a:rPr lang="en-US" sz="16600" dirty="0">
+                <a:latin typeface="Tahoma" panose="020B0604030504040204" pitchFamily="34" charset="0"/>
+                <a:ea typeface="Tahoma" panose="020B0604030504040204" pitchFamily="34" charset="0"/>
+                <a:cs typeface="Tahoma" panose="020B0604030504040204" pitchFamily="34" charset="0"/>
+              </a:rPr>
+              <a:t>Bearcat Pantry </a:t>
+            </a:r>
+            <a:endParaRPr lang="en-US" sz="16600" dirty="0">
+              <a:ea typeface="Tahoma" pitchFamily="34" charset="0"/>
+              <a:cs typeface="Tahoma" pitchFamily="34" charset="0"/>
+            </a:endParaRPr>
+          </a:p>
+        </p:txBody>
+      </p:sp>
+      <p:sp>
+        <p:nvSpPr>
+          <p:cNvPr id="38" name="TextBox 37">
+            <a:extLst>
+              <a:ext uri="{FF2B5EF4-FFF2-40B4-BE49-F238E27FC236}">
+                <a16:creationId xmlns:a16="http://schemas.microsoft.com/office/drawing/2014/main" id="{2F559689-A0D8-4573-9025-9B40C330C247}"/>
+              </a:ext>
+            </a:extLst>
+          </p:cNvPr>
+          <p:cNvSpPr txBox="1"/>
+          <p:nvPr/>
+        </p:nvSpPr>
+        <p:spPr>
+          <a:xfrm>
+            <a:off x="34735832" y="1851994"/>
+            <a:ext cx="6679700" cy="1200329"/>
+          </a:xfrm>
+          <a:prstGeom prst="rect">
+            <a:avLst/>
+          </a:prstGeom>
+          <a:noFill/>
+        </p:spPr>
+        <p:txBody>
+          <a:bodyPr wrap="square" rtlCol="0">
+            <a:spAutoFit/>
+          </a:bodyPr>
+          <a:lstStyle/>
+          <a:p>
+            <a:r>
+              <a:rPr lang="en-US" sz="7200" u="sng" dirty="0">
+                <a:latin typeface="Tahoma" panose="020B0604030504040204" pitchFamily="34" charset="0"/>
+                <a:ea typeface="Tahoma" panose="020B0604030504040204" pitchFamily="34" charset="0"/>
+                <a:cs typeface="Tahoma" panose="020B0604030504040204" pitchFamily="34" charset="0"/>
+              </a:rPr>
+              <a:t>Broader Impact</a:t>
+            </a:r>
+            <a:endParaRPr lang="en-US" sz="7200" u="sng" dirty="0">
+              <a:ea typeface="Tahoma" pitchFamily="34" charset="0"/>
+              <a:cs typeface="Tahoma" pitchFamily="34" charset="0"/>
+            </a:endParaRPr>
+          </a:p>
+        </p:txBody>
+      </p:sp>
       <p:pic>
         <p:nvPicPr>
-          <p:cNvPr id="54" name="Picture 53">
+          <p:cNvPr id="2" name="Picture 1">
             <a:extLst>
               <a:ext uri="{FF2B5EF4-FFF2-40B4-BE49-F238E27FC236}">
-                <a16:creationId xmlns:a16="http://schemas.microsoft.com/office/drawing/2014/main" id="{88C1E5D8-1AE4-439F-AD77-A09F45FB5DD4}"/>
+                <a16:creationId xmlns:a16="http://schemas.microsoft.com/office/drawing/2014/main" id="{DCAB0809-4283-4009-9460-48C4BFCC0F5C}"/>
               </a:ext>
             </a:extLst>
           </p:cNvPr>
@@ -6282,311 +6582,14 @@
         </p:blipFill>
         <p:spPr>
           <a:xfrm>
-            <a:off x="33820010" y="20693371"/>
-            <a:ext cx="8511345" cy="8833745"/>
+            <a:off x="33817536" y="20683047"/>
+            <a:ext cx="8516289" cy="8866273"/>
           </a:xfrm>
           <a:prstGeom prst="rect">
             <a:avLst/>
           </a:prstGeom>
         </p:spPr>
       </p:pic>
-      <p:sp>
-        <p:nvSpPr>
-          <p:cNvPr id="28" name="TextBox 27">
-            <a:extLst>
-              <a:ext uri="{FF2B5EF4-FFF2-40B4-BE49-F238E27FC236}">
-                <a16:creationId xmlns:a16="http://schemas.microsoft.com/office/drawing/2014/main" id="{BDAA5568-8B83-4084-8323-2EFC45DBDB3D}"/>
-              </a:ext>
-            </a:extLst>
-          </p:cNvPr>
-          <p:cNvSpPr txBox="1"/>
-          <p:nvPr/>
-        </p:nvSpPr>
-        <p:spPr>
-          <a:xfrm>
-            <a:off x="3734644" y="1653013"/>
-            <a:ext cx="3942080" cy="1200329"/>
-          </a:xfrm>
-          <a:prstGeom prst="rect">
-            <a:avLst/>
-          </a:prstGeom>
-          <a:noFill/>
-        </p:spPr>
-        <p:txBody>
-          <a:bodyPr wrap="square" rtlCol="0">
-            <a:spAutoFit/>
-          </a:bodyPr>
-          <a:lstStyle/>
-          <a:p>
-            <a:r>
-              <a:rPr lang="en-US" sz="7200" u="sng" dirty="0">
-                <a:latin typeface="Tahoma" panose="020B0604030504040204" pitchFamily="34" charset="0"/>
-                <a:ea typeface="Tahoma" panose="020B0604030504040204" pitchFamily="34" charset="0"/>
-                <a:cs typeface="Tahoma" panose="020B0604030504040204" pitchFamily="34" charset="0"/>
-              </a:rPr>
-              <a:t>Problem</a:t>
-            </a:r>
-          </a:p>
-        </p:txBody>
-      </p:sp>
-      <p:sp>
-        <p:nvSpPr>
-          <p:cNvPr id="26" name="TextBox 25">
-            <a:extLst>
-              <a:ext uri="{FF2B5EF4-FFF2-40B4-BE49-F238E27FC236}">
-                <a16:creationId xmlns:a16="http://schemas.microsoft.com/office/drawing/2014/main" id="{78EB36D9-48E1-42E9-B70C-AFFD767C56CD}"/>
-              </a:ext>
-            </a:extLst>
-          </p:cNvPr>
-          <p:cNvSpPr txBox="1"/>
-          <p:nvPr/>
-        </p:nvSpPr>
-        <p:spPr>
-          <a:xfrm>
-            <a:off x="4448806" y="15636661"/>
-            <a:ext cx="2513756" cy="1200329"/>
-          </a:xfrm>
-          <a:prstGeom prst="rect">
-            <a:avLst/>
-          </a:prstGeom>
-          <a:noFill/>
-        </p:spPr>
-        <p:txBody>
-          <a:bodyPr wrap="square" rtlCol="0">
-            <a:spAutoFit/>
-          </a:bodyPr>
-          <a:lstStyle/>
-          <a:p>
-            <a:r>
-              <a:rPr lang="en-US" sz="7200" u="sng" dirty="0">
-                <a:latin typeface="Tahoma" panose="020B0604030504040204" pitchFamily="34" charset="0"/>
-                <a:ea typeface="Tahoma" panose="020B0604030504040204" pitchFamily="34" charset="0"/>
-                <a:cs typeface="Tahoma" panose="020B0604030504040204" pitchFamily="34" charset="0"/>
-              </a:rPr>
-              <a:t>Goals</a:t>
-            </a:r>
-            <a:endParaRPr lang="en-US" sz="7200" u="sng" dirty="0">
-              <a:ea typeface="Tahoma" pitchFamily="34" charset="0"/>
-              <a:cs typeface="Tahoma" pitchFamily="34" charset="0"/>
-            </a:endParaRPr>
-          </a:p>
-        </p:txBody>
-      </p:sp>
-      <p:sp>
-        <p:nvSpPr>
-          <p:cNvPr id="27" name="TextBox 26">
-            <a:extLst>
-              <a:ext uri="{FF2B5EF4-FFF2-40B4-BE49-F238E27FC236}">
-                <a16:creationId xmlns:a16="http://schemas.microsoft.com/office/drawing/2014/main" id="{AC1B6543-8E76-4D5F-A5FA-C416014AD202}"/>
-              </a:ext>
-            </a:extLst>
-          </p:cNvPr>
-          <p:cNvSpPr txBox="1"/>
-          <p:nvPr/>
-        </p:nvSpPr>
-        <p:spPr>
-          <a:xfrm>
-            <a:off x="19083130" y="14673903"/>
-            <a:ext cx="7272986" cy="1200329"/>
-          </a:xfrm>
-          <a:prstGeom prst="rect">
-            <a:avLst/>
-          </a:prstGeom>
-          <a:noFill/>
-        </p:spPr>
-        <p:txBody>
-          <a:bodyPr wrap="square" rtlCol="0">
-            <a:spAutoFit/>
-          </a:bodyPr>
-          <a:lstStyle/>
-          <a:p>
-            <a:r>
-              <a:rPr lang="en-US" sz="7200" u="sng" dirty="0">
-                <a:latin typeface="Tahoma" panose="020B0604030504040204" pitchFamily="34" charset="0"/>
-                <a:ea typeface="Tahoma" panose="020B0604030504040204" pitchFamily="34" charset="0"/>
-                <a:cs typeface="Tahoma" panose="020B0604030504040204" pitchFamily="34" charset="0"/>
-              </a:rPr>
-              <a:t>Accomplishments</a:t>
-            </a:r>
-            <a:endParaRPr lang="en-US" sz="7200" u="sng" dirty="0">
-              <a:ea typeface="Tahoma" pitchFamily="34" charset="0"/>
-              <a:cs typeface="Tahoma" pitchFamily="34" charset="0"/>
-            </a:endParaRPr>
-          </a:p>
-        </p:txBody>
-      </p:sp>
-      <p:sp>
-        <p:nvSpPr>
-          <p:cNvPr id="30" name="TextBox 29">
-            <a:extLst>
-              <a:ext uri="{FF2B5EF4-FFF2-40B4-BE49-F238E27FC236}">
-                <a16:creationId xmlns:a16="http://schemas.microsoft.com/office/drawing/2014/main" id="{11B51B10-FA7F-496D-9D47-C6FBDAFAB6D2}"/>
-              </a:ext>
-            </a:extLst>
-          </p:cNvPr>
-          <p:cNvSpPr txBox="1"/>
-          <p:nvPr/>
-        </p:nvSpPr>
-        <p:spPr>
-          <a:xfrm>
-            <a:off x="19979787" y="4943131"/>
-            <a:ext cx="4848053" cy="1200329"/>
-          </a:xfrm>
-          <a:prstGeom prst="rect">
-            <a:avLst/>
-          </a:prstGeom>
-          <a:noFill/>
-        </p:spPr>
-        <p:txBody>
-          <a:bodyPr wrap="square" rtlCol="0">
-            <a:spAutoFit/>
-          </a:bodyPr>
-          <a:lstStyle/>
-          <a:p>
-            <a:r>
-              <a:rPr lang="en-US" sz="7200" u="sng" dirty="0">
-                <a:latin typeface="Tahoma" panose="020B0604030504040204" pitchFamily="34" charset="0"/>
-                <a:ea typeface="Tahoma" panose="020B0604030504040204" pitchFamily="34" charset="0"/>
-                <a:cs typeface="Tahoma" panose="020B0604030504040204" pitchFamily="34" charset="0"/>
-              </a:rPr>
-              <a:t>Developers</a:t>
-            </a:r>
-            <a:endParaRPr lang="en-US" sz="7200" u="sng" dirty="0">
-              <a:ea typeface="Tahoma" pitchFamily="34" charset="0"/>
-              <a:cs typeface="Tahoma" pitchFamily="34" charset="0"/>
-            </a:endParaRPr>
-          </a:p>
-        </p:txBody>
-      </p:sp>
-      <p:sp>
-        <p:nvSpPr>
-          <p:cNvPr id="34" name="TextBox 33">
-            <a:extLst>
-              <a:ext uri="{FF2B5EF4-FFF2-40B4-BE49-F238E27FC236}">
-                <a16:creationId xmlns:a16="http://schemas.microsoft.com/office/drawing/2014/main" id="{FE3A3E18-08FF-414A-8B9C-DD5A7F68E33F}"/>
-              </a:ext>
-            </a:extLst>
-          </p:cNvPr>
-          <p:cNvSpPr txBox="1"/>
-          <p:nvPr/>
-        </p:nvSpPr>
-        <p:spPr>
-          <a:xfrm>
-            <a:off x="35651655" y="10216365"/>
-            <a:ext cx="4848053" cy="1200329"/>
-          </a:xfrm>
-          <a:prstGeom prst="rect">
-            <a:avLst/>
-          </a:prstGeom>
-          <a:noFill/>
-        </p:spPr>
-        <p:txBody>
-          <a:bodyPr wrap="square" rtlCol="0">
-            <a:spAutoFit/>
-          </a:bodyPr>
-          <a:lstStyle/>
-          <a:p>
-            <a:r>
-              <a:rPr lang="en-US" sz="7200" u="sng" dirty="0">
-                <a:latin typeface="Tahoma" panose="020B0604030504040204" pitchFamily="34" charset="0"/>
-                <a:ea typeface="Tahoma" panose="020B0604030504040204" pitchFamily="34" charset="0"/>
-                <a:cs typeface="Tahoma" panose="020B0604030504040204" pitchFamily="34" charset="0"/>
-              </a:rPr>
-              <a:t>Challenges</a:t>
-            </a:r>
-            <a:endParaRPr lang="en-US" sz="7200" u="sng" dirty="0">
-              <a:ea typeface="Tahoma" pitchFamily="34" charset="0"/>
-              <a:cs typeface="Tahoma" pitchFamily="34" charset="0"/>
-            </a:endParaRPr>
-          </a:p>
-        </p:txBody>
-      </p:sp>
-      <p:sp>
-        <p:nvSpPr>
-          <p:cNvPr id="37" name="TextBox 36">
-            <a:extLst>
-              <a:ext uri="{FF2B5EF4-FFF2-40B4-BE49-F238E27FC236}">
-                <a16:creationId xmlns:a16="http://schemas.microsoft.com/office/drawing/2014/main" id="{22E4983F-1527-41E6-8960-53955DE6A54C}"/>
-              </a:ext>
-            </a:extLst>
-          </p:cNvPr>
-          <p:cNvSpPr txBox="1"/>
-          <p:nvPr/>
-        </p:nvSpPr>
-        <p:spPr>
-          <a:xfrm>
-            <a:off x="15396201" y="1862492"/>
-            <a:ext cx="13948760" cy="2646878"/>
-          </a:xfrm>
-          <a:prstGeom prst="rect">
-            <a:avLst/>
-          </a:prstGeom>
-          <a:noFill/>
-        </p:spPr>
-        <p:txBody>
-          <a:bodyPr wrap="square" rtlCol="0">
-            <a:spAutoFit/>
-          </a:bodyPr>
-          <a:lstStyle/>
-          <a:p>
-            <a:r>
-              <a:rPr lang="en-US" sz="16600" dirty="0">
-                <a:latin typeface="Tahoma" panose="020B0604030504040204" pitchFamily="34" charset="0"/>
-                <a:ea typeface="Tahoma" panose="020B0604030504040204" pitchFamily="34" charset="0"/>
-                <a:cs typeface="Tahoma" panose="020B0604030504040204" pitchFamily="34" charset="0"/>
-              </a:rPr>
-              <a:t>Bearcat Pantry </a:t>
-            </a:r>
-            <a:endParaRPr lang="en-US" sz="16600" dirty="0">
-              <a:ea typeface="Tahoma" pitchFamily="34" charset="0"/>
-              <a:cs typeface="Tahoma" pitchFamily="34" charset="0"/>
-            </a:endParaRPr>
-          </a:p>
-        </p:txBody>
-      </p:sp>
-      <p:sp>
-        <p:nvSpPr>
-          <p:cNvPr id="38" name="TextBox 37">
-            <a:extLst>
-              <a:ext uri="{FF2B5EF4-FFF2-40B4-BE49-F238E27FC236}">
-                <a16:creationId xmlns:a16="http://schemas.microsoft.com/office/drawing/2014/main" id="{2F559689-A0D8-4573-9025-9B40C330C247}"/>
-              </a:ext>
-            </a:extLst>
-          </p:cNvPr>
-          <p:cNvSpPr txBox="1"/>
-          <p:nvPr/>
-        </p:nvSpPr>
-        <p:spPr>
-          <a:xfrm>
-            <a:off x="34735832" y="1851994"/>
-            <a:ext cx="6679700" cy="1200329"/>
-          </a:xfrm>
-          <a:prstGeom prst="rect">
-            <a:avLst/>
-          </a:prstGeom>
-          <a:noFill/>
-        </p:spPr>
-        <p:txBody>
-          <a:bodyPr wrap="square" rtlCol="0">
-            <a:spAutoFit/>
-          </a:bodyPr>
-          <a:lstStyle/>
-          <a:p>
-            <a:r>
-              <a:rPr lang="en-US" sz="7200" u="sng" dirty="0">
-                <a:latin typeface="Tahoma" panose="020B0604030504040204" pitchFamily="34" charset="0"/>
-                <a:ea typeface="Tahoma" panose="020B0604030504040204" pitchFamily="34" charset="0"/>
-                <a:cs typeface="Tahoma" panose="020B0604030504040204" pitchFamily="34" charset="0"/>
-              </a:rPr>
-              <a:t>Broader Impact</a:t>
-            </a:r>
-            <a:endParaRPr lang="en-US" sz="7200" u="sng" dirty="0">
-              <a:ea typeface="Tahoma" pitchFamily="34" charset="0"/>
-              <a:cs typeface="Tahoma" pitchFamily="34" charset="0"/>
-            </a:endParaRPr>
-          </a:p>
-        </p:txBody>
-      </p:sp>
     </p:spTree>
     <p:extLst>
       <p:ext uri="{BB962C8B-B14F-4D97-AF65-F5344CB8AC3E}">
